--- a/Final_Project.pptx
+++ b/Final_Project.pptx
@@ -7,9 +7,7 @@
   <p:sldIdLst>
     <p:sldId id="257" r:id="rId5"/>
     <p:sldId id="265" r:id="rId6"/>
-    <p:sldId id="261" r:id="rId7"/>
-    <p:sldId id="266" r:id="rId8"/>
-    <p:sldId id="267" r:id="rId9"/>
+    <p:sldId id="267" r:id="rId7"/>
   </p:sldIdLst>
   <p:sldSz cx="12192000" cy="6858000"/>
   <p:notesSz cx="6858000" cy="9144000"/>
@@ -129,12 +127,12 @@
   <pc:docChgLst>
     <pc:chgData name="Tammy Hansen" userId="dfddb831096982ce" providerId="LiveId" clId="{2DDB1D3A-BDF6-45F1-B887-4886B388FDB3}"/>
     <pc:docChg chg="undo custSel addSld delSld modSld">
-      <pc:chgData name="Tammy Hansen" userId="dfddb831096982ce" providerId="LiveId" clId="{2DDB1D3A-BDF6-45F1-B887-4886B388FDB3}" dt="2021-12-06T23:44:58.561" v="1565" actId="27107"/>
+      <pc:chgData name="Tammy Hansen" userId="dfddb831096982ce" providerId="LiveId" clId="{2DDB1D3A-BDF6-45F1-B887-4886B388FDB3}" dt="2021-12-09T20:46:29.177" v="1568" actId="2696"/>
       <pc:docMkLst>
         <pc:docMk/>
       </pc:docMkLst>
-      <pc:sldChg chg="addSp delSp modSp mod modClrScheme chgLayout">
-        <pc:chgData name="Tammy Hansen" userId="dfddb831096982ce" providerId="LiveId" clId="{2DDB1D3A-BDF6-45F1-B887-4886B388FDB3}" dt="2021-12-06T23:44:40.729" v="1564" actId="20577"/>
+      <pc:sldChg chg="addSp delSp modSp del mod modClrScheme chgLayout">
+        <pc:chgData name="Tammy Hansen" userId="dfddb831096982ce" providerId="LiveId" clId="{2DDB1D3A-BDF6-45F1-B887-4886B388FDB3}" dt="2021-12-09T20:46:26.373" v="1567" actId="2696"/>
         <pc:sldMkLst>
           <pc:docMk/>
           <pc:sldMk cId="183243182" sldId="261"/>
@@ -384,8 +382,8 @@
           </ac:spMkLst>
         </pc:spChg>
       </pc:sldChg>
-      <pc:sldChg chg="addSp delSp modSp mod">
-        <pc:chgData name="Tammy Hansen" userId="dfddb831096982ce" providerId="LiveId" clId="{2DDB1D3A-BDF6-45F1-B887-4886B388FDB3}" dt="2021-12-06T23:44:58.561" v="1565" actId="27107"/>
+      <pc:sldChg chg="addSp delSp modSp del mod">
+        <pc:chgData name="Tammy Hansen" userId="dfddb831096982ce" providerId="LiveId" clId="{2DDB1D3A-BDF6-45F1-B887-4886B388FDB3}" dt="2021-12-09T20:46:29.177" v="1568" actId="2696"/>
         <pc:sldMkLst>
           <pc:docMk/>
           <pc:sldMk cId="1222133304" sldId="266"/>
@@ -407,7 +405,7 @@
           </ac:spMkLst>
         </pc:spChg>
         <pc:spChg chg="mod">
-          <ac:chgData name="Tammy Hansen" userId="dfddb831096982ce" providerId="LiveId" clId="{2DDB1D3A-BDF6-45F1-B887-4886B388FDB3}" dt="2021-12-06T23:44:58.561" v="1565" actId="27107"/>
+          <ac:chgData name="Tammy Hansen" userId="dfddb831096982ce" providerId="LiveId" clId="{2DDB1D3A-BDF6-45F1-B887-4886B388FDB3}" dt="2021-12-07T00:20:12.247" v="1566" actId="27107"/>
           <ac:spMkLst>
             <pc:docMk/>
             <pc:sldMk cId="1222133304" sldId="266"/>
@@ -912,7 +910,7 @@
           <a:p>
             <a:fld id="{EA0C0817-A112-4847-8014-A94B7D2A4EA3}" type="datetime1">
               <a:rPr lang="en-US" smtClean="0"/>
-              <a:t>12/6/2021</a:t>
+              <a:t>12/9/2021</a:t>
             </a:fld>
             <a:endParaRPr lang="en-US" dirty="0"/>
           </a:p>
@@ -1114,7 +1112,7 @@
           <a:p>
             <a:fld id="{7332B432-ACDA-4023-A761-2BAB76577B62}" type="datetime1">
               <a:rPr lang="en-US" smtClean="0"/>
-              <a:t>12/6/2021</a:t>
+              <a:t>12/9/2021</a:t>
             </a:fld>
             <a:endParaRPr lang="en-US" dirty="0"/>
           </a:p>
@@ -1713,7 +1711,7 @@
           <a:p>
             <a:fld id="{D9C646AA-F36E-4540-911D-FFFC0A0EF24A}" type="datetime1">
               <a:rPr lang="en-US" smtClean="0"/>
-              <a:t>12/6/2021</a:t>
+              <a:t>12/9/2021</a:t>
             </a:fld>
             <a:endParaRPr lang="en-US" dirty="0"/>
           </a:p>
@@ -2033,7 +2031,7 @@
           <a:p>
             <a:fld id="{69186D26-FA5F-4637-B602-B7C2DC34CFD4}" type="datetime1">
               <a:rPr lang="en-US" smtClean="0"/>
-              <a:t>12/6/2021</a:t>
+              <a:t>12/9/2021</a:t>
             </a:fld>
             <a:endParaRPr lang="en-US" dirty="0"/>
           </a:p>
@@ -2470,7 +2468,7 @@
           <a:p>
             <a:fld id="{8A7F15D8-96D1-4781-BC50-CA8A088B2FE4}" type="datetime1">
               <a:rPr lang="en-US" smtClean="0"/>
-              <a:t>12/6/2021</a:t>
+              <a:t>12/9/2021</a:t>
             </a:fld>
             <a:endParaRPr lang="en-US" dirty="0"/>
           </a:p>
@@ -2588,7 +2586,7 @@
           <a:p>
             <a:fld id="{F9A96C99-B8F8-4528-BD05-0E16E943DC09}" type="datetime1">
               <a:rPr lang="en-US" smtClean="0"/>
-              <a:t>12/6/2021</a:t>
+              <a:t>12/9/2021</a:t>
             </a:fld>
             <a:endParaRPr lang="en-US" dirty="0"/>
           </a:p>
@@ -2683,7 +2681,7 @@
           <a:p>
             <a:fld id="{03636942-C211-4B28-8DBD-C953E00AF71B}" type="datetime1">
               <a:rPr lang="en-US" smtClean="0"/>
-              <a:t>12/6/2021</a:t>
+              <a:t>12/9/2021</a:t>
             </a:fld>
             <a:endParaRPr lang="en-US" dirty="0"/>
           </a:p>
@@ -3100,7 +3098,7 @@
           <a:p>
             <a:fld id="{7E8D12A6-918A-48BD-8CB9-CA713993B0EA}" type="datetime1">
               <a:rPr lang="en-US" smtClean="0"/>
-              <a:t>12/6/2021</a:t>
+              <a:t>12/9/2021</a:t>
             </a:fld>
             <a:endParaRPr lang="en-US" dirty="0"/>
           </a:p>
@@ -3362,7 +3360,7 @@
             <a:fld id="{E778CE86-875F-4587-BCF6-FA054AFC0D53}" type="datetime1">
               <a:rPr lang="en-US" smtClean="0"/>
               <a:pPr/>
-              <a:t>12/6/2021</a:t>
+              <a:t>12/9/2021</a:t>
             </a:fld>
             <a:endParaRPr lang="en-US" dirty="0"/>
           </a:p>
@@ -3878,7 +3876,7 @@
           <a:p>
             <a:fld id="{F6FA2B21-3FCD-4721-B95C-427943F61125}" type="datetime1">
               <a:rPr lang="en-US" smtClean="0"/>
-              <a:t>12/6/2021</a:t>
+              <a:t>12/9/2021</a:t>
             </a:fld>
             <a:endParaRPr lang="en-US" dirty="0"/>
           </a:p>
@@ -4900,813 +4898,6 @@
 </file>
 
 <file path=ppt/slides/slide3.xml><?xml version="1.0" encoding="utf-8"?>
-<p:sld xmlns:a="http://schemas.openxmlformats.org/drawingml/2006/main" xmlns:r="http://schemas.openxmlformats.org/officeDocument/2006/relationships" xmlns:p="http://schemas.openxmlformats.org/presentationml/2006/main">
-  <p:cSld>
-    <p:spTree>
-      <p:nvGrpSpPr>
-        <p:cNvPr id="1" name=""/>
-        <p:cNvGrpSpPr/>
-        <p:nvPr/>
-      </p:nvGrpSpPr>
-      <p:grpSpPr>
-        <a:xfrm>
-          <a:off x="0" y="0"/>
-          <a:ext cx="0" cy="0"/>
-          <a:chOff x="0" y="0"/>
-          <a:chExt cx="0" cy="0"/>
-        </a:xfrm>
-      </p:grpSpPr>
-      <p:sp>
-        <p:nvSpPr>
-          <p:cNvPr id="2" name="Title 1">
-            <a:extLst>
-              <a:ext uri="{FF2B5EF4-FFF2-40B4-BE49-F238E27FC236}">
-                <a16:creationId xmlns:a16="http://schemas.microsoft.com/office/drawing/2014/main" id="{7A4919D0-F177-4BBA-9A0B-DBA69E2ED764}"/>
-              </a:ext>
-            </a:extLst>
-          </p:cNvPr>
-          <p:cNvSpPr>
-            <a:spLocks noGrp="1"/>
-          </p:cNvSpPr>
-          <p:nvPr>
-            <p:ph type="title"/>
-          </p:nvPr>
-        </p:nvSpPr>
-        <p:spPr/>
-        <p:txBody>
-          <a:bodyPr anchor="ctr">
-            <a:normAutofit/>
-          </a:bodyPr>
-          <a:lstStyle/>
-          <a:p>
-            <a:r>
-              <a:rPr lang="en-US" dirty="0"/>
-              <a:t>Example calculation 1</a:t>
-            </a:r>
-          </a:p>
-        </p:txBody>
-      </p:sp>
-      <p:sp>
-        <p:nvSpPr>
-          <p:cNvPr id="13" name="Subtitle 2">
-            <a:extLst>
-              <a:ext uri="{FF2B5EF4-FFF2-40B4-BE49-F238E27FC236}">
-                <a16:creationId xmlns:a16="http://schemas.microsoft.com/office/drawing/2014/main" id="{4D7F494A-967B-456B-8B01-1FBFACBBB94D}"/>
-              </a:ext>
-            </a:extLst>
-          </p:cNvPr>
-          <p:cNvSpPr txBox="1">
-            <a:spLocks/>
-          </p:cNvSpPr>
-          <p:nvPr/>
-        </p:nvSpPr>
-        <p:spPr>
-          <a:xfrm>
-            <a:off x="1066800" y="2014194"/>
-            <a:ext cx="9112898" cy="4201212"/>
-          </a:xfrm>
-          <a:prstGeom prst="rect">
-            <a:avLst/>
-          </a:prstGeom>
-        </p:spPr>
-        <p:txBody>
-          <a:bodyPr>
-            <a:normAutofit/>
-          </a:bodyPr>
-          <a:lstStyle>
-            <a:lvl1pPr marL="182880" indent="-182880" algn="l" defTabSz="914400" rtl="0" eaLnBrk="1" latinLnBrk="0" hangingPunct="1">
-              <a:lnSpc>
-                <a:spcPct val="110000"/>
-              </a:lnSpc>
-              <a:spcBef>
-                <a:spcPts val="900"/>
-              </a:spcBef>
-              <a:spcAft>
-                <a:spcPts val="0"/>
-              </a:spcAft>
-              <a:buClr>
-                <a:schemeClr val="tx1">
-                  <a:lumMod val="85000"/>
-                  <a:lumOff val="15000"/>
-                </a:schemeClr>
-              </a:buClr>
-              <a:buFont typeface="Garamond" pitchFamily="18" charset="0"/>
-              <a:buChar char="◦"/>
-              <a:defRPr sz="1500" kern="1200">
-                <a:solidFill>
-                  <a:schemeClr val="tx1"/>
-                </a:solidFill>
-                <a:latin typeface="+mn-lt"/>
-                <a:ea typeface="+mn-ea"/>
-                <a:cs typeface="+mn-cs"/>
-              </a:defRPr>
-            </a:lvl1pPr>
-            <a:lvl2pPr marL="457200" indent="-182880" algn="l" defTabSz="914400" rtl="0" eaLnBrk="1" latinLnBrk="0" hangingPunct="1">
-              <a:lnSpc>
-                <a:spcPct val="100000"/>
-              </a:lnSpc>
-              <a:spcBef>
-                <a:spcPts val="500"/>
-              </a:spcBef>
-              <a:buClr>
-                <a:schemeClr val="tx1">
-                  <a:lumMod val="85000"/>
-                  <a:lumOff val="15000"/>
-                </a:schemeClr>
-              </a:buClr>
-              <a:buFont typeface="Garamond" pitchFamily="18" charset="0"/>
-              <a:buChar char="◦"/>
-              <a:defRPr sz="1300" kern="1200">
-                <a:solidFill>
-                  <a:schemeClr val="tx1"/>
-                </a:solidFill>
-                <a:latin typeface="+mn-lt"/>
-                <a:ea typeface="+mn-ea"/>
-                <a:cs typeface="+mn-cs"/>
-              </a:defRPr>
-            </a:lvl2pPr>
-            <a:lvl3pPr marL="731520" indent="-182880" algn="l" defTabSz="914400" rtl="0" eaLnBrk="1" latinLnBrk="0" hangingPunct="1">
-              <a:lnSpc>
-                <a:spcPct val="100000"/>
-              </a:lnSpc>
-              <a:spcBef>
-                <a:spcPts val="500"/>
-              </a:spcBef>
-              <a:buClr>
-                <a:schemeClr val="tx1">
-                  <a:lumMod val="85000"/>
-                  <a:lumOff val="15000"/>
-                </a:schemeClr>
-              </a:buClr>
-              <a:buFont typeface="Garamond" pitchFamily="18" charset="0"/>
-              <a:buChar char="◦"/>
-              <a:defRPr sz="1200" kern="1200">
-                <a:solidFill>
-                  <a:schemeClr val="tx1"/>
-                </a:solidFill>
-                <a:latin typeface="+mn-lt"/>
-                <a:ea typeface="+mn-ea"/>
-                <a:cs typeface="+mn-cs"/>
-              </a:defRPr>
-            </a:lvl3pPr>
-            <a:lvl4pPr marL="1005840" indent="-182880" algn="l" defTabSz="914400" rtl="0" eaLnBrk="1" latinLnBrk="0" hangingPunct="1">
-              <a:lnSpc>
-                <a:spcPct val="100000"/>
-              </a:lnSpc>
-              <a:spcBef>
-                <a:spcPts val="500"/>
-              </a:spcBef>
-              <a:buClr>
-                <a:schemeClr val="tx1">
-                  <a:lumMod val="85000"/>
-                  <a:lumOff val="15000"/>
-                </a:schemeClr>
-              </a:buClr>
-              <a:buFont typeface="Garamond" pitchFamily="18" charset="0"/>
-              <a:buChar char="◦"/>
-              <a:defRPr sz="1200" kern="1200">
-                <a:solidFill>
-                  <a:schemeClr val="tx1"/>
-                </a:solidFill>
-                <a:latin typeface="+mn-lt"/>
-                <a:ea typeface="+mn-ea"/>
-                <a:cs typeface="+mn-cs"/>
-              </a:defRPr>
-            </a:lvl4pPr>
-            <a:lvl5pPr marL="1280160" indent="-182880" algn="l" defTabSz="914400" rtl="0" eaLnBrk="1" latinLnBrk="0" hangingPunct="1">
-              <a:lnSpc>
-                <a:spcPct val="100000"/>
-              </a:lnSpc>
-              <a:spcBef>
-                <a:spcPts val="500"/>
-              </a:spcBef>
-              <a:buClr>
-                <a:schemeClr val="tx1">
-                  <a:lumMod val="85000"/>
-                  <a:lumOff val="15000"/>
-                </a:schemeClr>
-              </a:buClr>
-              <a:buFont typeface="Garamond" pitchFamily="18" charset="0"/>
-              <a:buChar char="◦"/>
-              <a:defRPr sz="1200" kern="1200">
-                <a:solidFill>
-                  <a:schemeClr val="tx1"/>
-                </a:solidFill>
-                <a:latin typeface="+mn-lt"/>
-                <a:ea typeface="+mn-ea"/>
-                <a:cs typeface="+mn-cs"/>
-              </a:defRPr>
-            </a:lvl5pPr>
-            <a:lvl6pPr marL="1600000" indent="-228600" algn="l" defTabSz="914400" rtl="0" eaLnBrk="1" latinLnBrk="0" hangingPunct="1">
-              <a:lnSpc>
-                <a:spcPct val="100000"/>
-              </a:lnSpc>
-              <a:spcBef>
-                <a:spcPts val="500"/>
-              </a:spcBef>
-              <a:buClr>
-                <a:schemeClr val="tx1">
-                  <a:lumMod val="85000"/>
-                  <a:lumOff val="15000"/>
-                </a:schemeClr>
-              </a:buClr>
-              <a:buFont typeface="Garamond" pitchFamily="18" charset="0"/>
-              <a:buChar char="◦"/>
-              <a:defRPr sz="1400" kern="1200">
-                <a:solidFill>
-                  <a:schemeClr val="tx1"/>
-                </a:solidFill>
-                <a:latin typeface="+mn-lt"/>
-                <a:ea typeface="+mn-ea"/>
-                <a:cs typeface="+mn-cs"/>
-              </a:defRPr>
-            </a:lvl6pPr>
-            <a:lvl7pPr marL="1900000" indent="-228600" algn="l" defTabSz="914400" rtl="0" eaLnBrk="1" latinLnBrk="0" hangingPunct="1">
-              <a:lnSpc>
-                <a:spcPct val="100000"/>
-              </a:lnSpc>
-              <a:spcBef>
-                <a:spcPts val="500"/>
-              </a:spcBef>
-              <a:buClr>
-                <a:schemeClr val="tx1">
-                  <a:lumMod val="85000"/>
-                  <a:lumOff val="15000"/>
-                </a:schemeClr>
-              </a:buClr>
-              <a:buFont typeface="Garamond" pitchFamily="18" charset="0"/>
-              <a:buChar char="◦"/>
-              <a:defRPr sz="1400" kern="1200">
-                <a:solidFill>
-                  <a:schemeClr val="tx1"/>
-                </a:solidFill>
-                <a:latin typeface="+mn-lt"/>
-                <a:ea typeface="+mn-ea"/>
-                <a:cs typeface="+mn-cs"/>
-              </a:defRPr>
-            </a:lvl7pPr>
-            <a:lvl8pPr marL="2200000" indent="-228600" algn="l" defTabSz="914400" rtl="0" eaLnBrk="1" latinLnBrk="0" hangingPunct="1">
-              <a:lnSpc>
-                <a:spcPct val="100000"/>
-              </a:lnSpc>
-              <a:spcBef>
-                <a:spcPts val="500"/>
-              </a:spcBef>
-              <a:buClr>
-                <a:schemeClr val="tx1">
-                  <a:lumMod val="85000"/>
-                  <a:lumOff val="15000"/>
-                </a:schemeClr>
-              </a:buClr>
-              <a:buFont typeface="Garamond" pitchFamily="18" charset="0"/>
-              <a:buChar char="◦"/>
-              <a:defRPr sz="1400" kern="1200">
-                <a:solidFill>
-                  <a:schemeClr val="tx1"/>
-                </a:solidFill>
-                <a:latin typeface="+mn-lt"/>
-                <a:ea typeface="+mn-ea"/>
-                <a:cs typeface="+mn-cs"/>
-              </a:defRPr>
-            </a:lvl8pPr>
-            <a:lvl9pPr marL="2500000" indent="-228600" algn="l" defTabSz="914400" rtl="0" eaLnBrk="1" latinLnBrk="0" hangingPunct="1">
-              <a:lnSpc>
-                <a:spcPct val="100000"/>
-              </a:lnSpc>
-              <a:spcBef>
-                <a:spcPts val="500"/>
-              </a:spcBef>
-              <a:buClr>
-                <a:schemeClr val="tx1">
-                  <a:lumMod val="85000"/>
-                  <a:lumOff val="15000"/>
-                </a:schemeClr>
-              </a:buClr>
-              <a:buFont typeface="Garamond" pitchFamily="18" charset="0"/>
-              <a:buChar char="◦"/>
-              <a:defRPr sz="1400" kern="1200">
-                <a:solidFill>
-                  <a:schemeClr val="tx1"/>
-                </a:solidFill>
-                <a:latin typeface="+mn-lt"/>
-                <a:ea typeface="+mn-ea"/>
-                <a:cs typeface="+mn-cs"/>
-              </a:defRPr>
-            </a:lvl9pPr>
-          </a:lstStyle>
-          <a:p>
-            <a:pPr>
-              <a:spcAft>
-                <a:spcPts val="600"/>
-              </a:spcAft>
-            </a:pPr>
-            <a:r>
-              <a:rPr lang="es-ES" sz="2000" dirty="0"/>
-              <a:t>Standard calculator:</a:t>
-            </a:r>
-          </a:p>
-          <a:p>
-            <a:pPr>
-              <a:spcAft>
-                <a:spcPts val="600"/>
-              </a:spcAft>
-            </a:pPr>
-            <a:r>
-              <a:rPr lang="es-ES" sz="2000" dirty="0"/>
-              <a:t>SQRT [ (3)^2 + (4)^2 ]  = 5</a:t>
-            </a:r>
-          </a:p>
-          <a:p>
-            <a:pPr>
-              <a:spcAft>
-                <a:spcPts val="600"/>
-              </a:spcAft>
-            </a:pPr>
-            <a:endParaRPr lang="en-US" sz="2000" dirty="0"/>
-          </a:p>
-          <a:p>
-            <a:pPr>
-              <a:spcAft>
-                <a:spcPts val="600"/>
-              </a:spcAft>
-            </a:pPr>
-            <a:endParaRPr lang="en-US" sz="2000" dirty="0"/>
-          </a:p>
-          <a:p>
-            <a:pPr>
-              <a:spcAft>
-                <a:spcPts val="600"/>
-              </a:spcAft>
-            </a:pPr>
-            <a:r>
-              <a:rPr lang="en-US" sz="2000" dirty="0"/>
-              <a:t>RPN logic calculator:</a:t>
-            </a:r>
-          </a:p>
-          <a:p>
-            <a:pPr>
-              <a:spcAft>
-                <a:spcPts val="600"/>
-              </a:spcAft>
-            </a:pPr>
-            <a:r>
-              <a:rPr lang="en-US" sz="2000" dirty="0"/>
-              <a:t>Enter:  3 ^2 4 ^2 + SQRT</a:t>
-            </a:r>
-            <a:endParaRPr lang="en-US" sz="1700" dirty="0"/>
-          </a:p>
-          <a:p>
-            <a:pPr>
-              <a:spcAft>
-                <a:spcPts val="600"/>
-              </a:spcAft>
-            </a:pPr>
-            <a:endParaRPr lang="en-US" sz="1800" dirty="0"/>
-          </a:p>
-        </p:txBody>
-      </p:sp>
-    </p:spTree>
-    <p:extLst>
-      <p:ext uri="{BB962C8B-B14F-4D97-AF65-F5344CB8AC3E}">
-        <p14:creationId xmlns:p14="http://schemas.microsoft.com/office/powerpoint/2010/main" val="183243182"/>
-      </p:ext>
-    </p:extLst>
-  </p:cSld>
-  <p:clrMapOvr>
-    <a:masterClrMapping/>
-  </p:clrMapOvr>
-</p:sld>
-</file>
-
-<file path=ppt/slides/slide4.xml><?xml version="1.0" encoding="utf-8"?>
-<p:sld xmlns:a="http://schemas.openxmlformats.org/drawingml/2006/main" xmlns:r="http://schemas.openxmlformats.org/officeDocument/2006/relationships" xmlns:p="http://schemas.openxmlformats.org/presentationml/2006/main">
-  <p:cSld>
-    <p:spTree>
-      <p:nvGrpSpPr>
-        <p:cNvPr id="1" name=""/>
-        <p:cNvGrpSpPr/>
-        <p:nvPr/>
-      </p:nvGrpSpPr>
-      <p:grpSpPr>
-        <a:xfrm>
-          <a:off x="0" y="0"/>
-          <a:ext cx="0" cy="0"/>
-          <a:chOff x="0" y="0"/>
-          <a:chExt cx="0" cy="0"/>
-        </a:xfrm>
-      </p:grpSpPr>
-      <p:sp>
-        <p:nvSpPr>
-          <p:cNvPr id="2" name="Title 1">
-            <a:extLst>
-              <a:ext uri="{FF2B5EF4-FFF2-40B4-BE49-F238E27FC236}">
-                <a16:creationId xmlns:a16="http://schemas.microsoft.com/office/drawing/2014/main" id="{7A4919D0-F177-4BBA-9A0B-DBA69E2ED764}"/>
-              </a:ext>
-            </a:extLst>
-          </p:cNvPr>
-          <p:cNvSpPr>
-            <a:spLocks noGrp="1"/>
-          </p:cNvSpPr>
-          <p:nvPr>
-            <p:ph type="title"/>
-          </p:nvPr>
-        </p:nvSpPr>
-        <p:spPr/>
-        <p:txBody>
-          <a:bodyPr anchor="ctr">
-            <a:normAutofit/>
-          </a:bodyPr>
-          <a:lstStyle/>
-          <a:p>
-            <a:r>
-              <a:rPr lang="en-US" dirty="0"/>
-              <a:t>Example calculation 2</a:t>
-            </a:r>
-          </a:p>
-        </p:txBody>
-      </p:sp>
-      <p:sp>
-        <p:nvSpPr>
-          <p:cNvPr id="13" name="Subtitle 2">
-            <a:extLst>
-              <a:ext uri="{FF2B5EF4-FFF2-40B4-BE49-F238E27FC236}">
-                <a16:creationId xmlns:a16="http://schemas.microsoft.com/office/drawing/2014/main" id="{4D7F494A-967B-456B-8B01-1FBFACBBB94D}"/>
-              </a:ext>
-            </a:extLst>
-          </p:cNvPr>
-          <p:cNvSpPr txBox="1">
-            <a:spLocks/>
-          </p:cNvSpPr>
-          <p:nvPr/>
-        </p:nvSpPr>
-        <p:spPr>
-          <a:xfrm>
-            <a:off x="1066800" y="2014194"/>
-            <a:ext cx="9112898" cy="4201212"/>
-          </a:xfrm>
-          <a:prstGeom prst="rect">
-            <a:avLst/>
-          </a:prstGeom>
-        </p:spPr>
-        <p:txBody>
-          <a:bodyPr>
-            <a:normAutofit/>
-          </a:bodyPr>
-          <a:lstStyle>
-            <a:lvl1pPr marL="182880" indent="-182880" algn="l" defTabSz="914400" rtl="0" eaLnBrk="1" latinLnBrk="0" hangingPunct="1">
-              <a:lnSpc>
-                <a:spcPct val="110000"/>
-              </a:lnSpc>
-              <a:spcBef>
-                <a:spcPts val="900"/>
-              </a:spcBef>
-              <a:spcAft>
-                <a:spcPts val="0"/>
-              </a:spcAft>
-              <a:buClr>
-                <a:schemeClr val="tx1">
-                  <a:lumMod val="85000"/>
-                  <a:lumOff val="15000"/>
-                </a:schemeClr>
-              </a:buClr>
-              <a:buFont typeface="Garamond" pitchFamily="18" charset="0"/>
-              <a:buChar char="◦"/>
-              <a:defRPr sz="1500" kern="1200">
-                <a:solidFill>
-                  <a:schemeClr val="tx1"/>
-                </a:solidFill>
-                <a:latin typeface="+mn-lt"/>
-                <a:ea typeface="+mn-ea"/>
-                <a:cs typeface="+mn-cs"/>
-              </a:defRPr>
-            </a:lvl1pPr>
-            <a:lvl2pPr marL="457200" indent="-182880" algn="l" defTabSz="914400" rtl="0" eaLnBrk="1" latinLnBrk="0" hangingPunct="1">
-              <a:lnSpc>
-                <a:spcPct val="100000"/>
-              </a:lnSpc>
-              <a:spcBef>
-                <a:spcPts val="500"/>
-              </a:spcBef>
-              <a:buClr>
-                <a:schemeClr val="tx1">
-                  <a:lumMod val="85000"/>
-                  <a:lumOff val="15000"/>
-                </a:schemeClr>
-              </a:buClr>
-              <a:buFont typeface="Garamond" pitchFamily="18" charset="0"/>
-              <a:buChar char="◦"/>
-              <a:defRPr sz="1300" kern="1200">
-                <a:solidFill>
-                  <a:schemeClr val="tx1"/>
-                </a:solidFill>
-                <a:latin typeface="+mn-lt"/>
-                <a:ea typeface="+mn-ea"/>
-                <a:cs typeface="+mn-cs"/>
-              </a:defRPr>
-            </a:lvl2pPr>
-            <a:lvl3pPr marL="731520" indent="-182880" algn="l" defTabSz="914400" rtl="0" eaLnBrk="1" latinLnBrk="0" hangingPunct="1">
-              <a:lnSpc>
-                <a:spcPct val="100000"/>
-              </a:lnSpc>
-              <a:spcBef>
-                <a:spcPts val="500"/>
-              </a:spcBef>
-              <a:buClr>
-                <a:schemeClr val="tx1">
-                  <a:lumMod val="85000"/>
-                  <a:lumOff val="15000"/>
-                </a:schemeClr>
-              </a:buClr>
-              <a:buFont typeface="Garamond" pitchFamily="18" charset="0"/>
-              <a:buChar char="◦"/>
-              <a:defRPr sz="1200" kern="1200">
-                <a:solidFill>
-                  <a:schemeClr val="tx1"/>
-                </a:solidFill>
-                <a:latin typeface="+mn-lt"/>
-                <a:ea typeface="+mn-ea"/>
-                <a:cs typeface="+mn-cs"/>
-              </a:defRPr>
-            </a:lvl3pPr>
-            <a:lvl4pPr marL="1005840" indent="-182880" algn="l" defTabSz="914400" rtl="0" eaLnBrk="1" latinLnBrk="0" hangingPunct="1">
-              <a:lnSpc>
-                <a:spcPct val="100000"/>
-              </a:lnSpc>
-              <a:spcBef>
-                <a:spcPts val="500"/>
-              </a:spcBef>
-              <a:buClr>
-                <a:schemeClr val="tx1">
-                  <a:lumMod val="85000"/>
-                  <a:lumOff val="15000"/>
-                </a:schemeClr>
-              </a:buClr>
-              <a:buFont typeface="Garamond" pitchFamily="18" charset="0"/>
-              <a:buChar char="◦"/>
-              <a:defRPr sz="1200" kern="1200">
-                <a:solidFill>
-                  <a:schemeClr val="tx1"/>
-                </a:solidFill>
-                <a:latin typeface="+mn-lt"/>
-                <a:ea typeface="+mn-ea"/>
-                <a:cs typeface="+mn-cs"/>
-              </a:defRPr>
-            </a:lvl4pPr>
-            <a:lvl5pPr marL="1280160" indent="-182880" algn="l" defTabSz="914400" rtl="0" eaLnBrk="1" latinLnBrk="0" hangingPunct="1">
-              <a:lnSpc>
-                <a:spcPct val="100000"/>
-              </a:lnSpc>
-              <a:spcBef>
-                <a:spcPts val="500"/>
-              </a:spcBef>
-              <a:buClr>
-                <a:schemeClr val="tx1">
-                  <a:lumMod val="85000"/>
-                  <a:lumOff val="15000"/>
-                </a:schemeClr>
-              </a:buClr>
-              <a:buFont typeface="Garamond" pitchFamily="18" charset="0"/>
-              <a:buChar char="◦"/>
-              <a:defRPr sz="1200" kern="1200">
-                <a:solidFill>
-                  <a:schemeClr val="tx1"/>
-                </a:solidFill>
-                <a:latin typeface="+mn-lt"/>
-                <a:ea typeface="+mn-ea"/>
-                <a:cs typeface="+mn-cs"/>
-              </a:defRPr>
-            </a:lvl5pPr>
-            <a:lvl6pPr marL="1600000" indent="-228600" algn="l" defTabSz="914400" rtl="0" eaLnBrk="1" latinLnBrk="0" hangingPunct="1">
-              <a:lnSpc>
-                <a:spcPct val="100000"/>
-              </a:lnSpc>
-              <a:spcBef>
-                <a:spcPts val="500"/>
-              </a:spcBef>
-              <a:buClr>
-                <a:schemeClr val="tx1">
-                  <a:lumMod val="85000"/>
-                  <a:lumOff val="15000"/>
-                </a:schemeClr>
-              </a:buClr>
-              <a:buFont typeface="Garamond" pitchFamily="18" charset="0"/>
-              <a:buChar char="◦"/>
-              <a:defRPr sz="1400" kern="1200">
-                <a:solidFill>
-                  <a:schemeClr val="tx1"/>
-                </a:solidFill>
-                <a:latin typeface="+mn-lt"/>
-                <a:ea typeface="+mn-ea"/>
-                <a:cs typeface="+mn-cs"/>
-              </a:defRPr>
-            </a:lvl6pPr>
-            <a:lvl7pPr marL="1900000" indent="-228600" algn="l" defTabSz="914400" rtl="0" eaLnBrk="1" latinLnBrk="0" hangingPunct="1">
-              <a:lnSpc>
-                <a:spcPct val="100000"/>
-              </a:lnSpc>
-              <a:spcBef>
-                <a:spcPts val="500"/>
-              </a:spcBef>
-              <a:buClr>
-                <a:schemeClr val="tx1">
-                  <a:lumMod val="85000"/>
-                  <a:lumOff val="15000"/>
-                </a:schemeClr>
-              </a:buClr>
-              <a:buFont typeface="Garamond" pitchFamily="18" charset="0"/>
-              <a:buChar char="◦"/>
-              <a:defRPr sz="1400" kern="1200">
-                <a:solidFill>
-                  <a:schemeClr val="tx1"/>
-                </a:solidFill>
-                <a:latin typeface="+mn-lt"/>
-                <a:ea typeface="+mn-ea"/>
-                <a:cs typeface="+mn-cs"/>
-              </a:defRPr>
-            </a:lvl7pPr>
-            <a:lvl8pPr marL="2200000" indent="-228600" algn="l" defTabSz="914400" rtl="0" eaLnBrk="1" latinLnBrk="0" hangingPunct="1">
-              <a:lnSpc>
-                <a:spcPct val="100000"/>
-              </a:lnSpc>
-              <a:spcBef>
-                <a:spcPts val="500"/>
-              </a:spcBef>
-              <a:buClr>
-                <a:schemeClr val="tx1">
-                  <a:lumMod val="85000"/>
-                  <a:lumOff val="15000"/>
-                </a:schemeClr>
-              </a:buClr>
-              <a:buFont typeface="Garamond" pitchFamily="18" charset="0"/>
-              <a:buChar char="◦"/>
-              <a:defRPr sz="1400" kern="1200">
-                <a:solidFill>
-                  <a:schemeClr val="tx1"/>
-                </a:solidFill>
-                <a:latin typeface="+mn-lt"/>
-                <a:ea typeface="+mn-ea"/>
-                <a:cs typeface="+mn-cs"/>
-              </a:defRPr>
-            </a:lvl8pPr>
-            <a:lvl9pPr marL="2500000" indent="-228600" algn="l" defTabSz="914400" rtl="0" eaLnBrk="1" latinLnBrk="0" hangingPunct="1">
-              <a:lnSpc>
-                <a:spcPct val="100000"/>
-              </a:lnSpc>
-              <a:spcBef>
-                <a:spcPts val="500"/>
-              </a:spcBef>
-              <a:buClr>
-                <a:schemeClr val="tx1">
-                  <a:lumMod val="85000"/>
-                  <a:lumOff val="15000"/>
-                </a:schemeClr>
-              </a:buClr>
-              <a:buFont typeface="Garamond" pitchFamily="18" charset="0"/>
-              <a:buChar char="◦"/>
-              <a:defRPr sz="1400" kern="1200">
-                <a:solidFill>
-                  <a:schemeClr val="tx1"/>
-                </a:solidFill>
-                <a:latin typeface="+mn-lt"/>
-                <a:ea typeface="+mn-ea"/>
-                <a:cs typeface="+mn-cs"/>
-              </a:defRPr>
-            </a:lvl9pPr>
-          </a:lstStyle>
-          <a:p>
-            <a:pPr>
-              <a:spcAft>
-                <a:spcPts val="600"/>
-              </a:spcAft>
-            </a:pPr>
-            <a:r>
-              <a:rPr lang="es-ES" sz="2000" dirty="0"/>
-              <a:t>Quadratic equation:</a:t>
-            </a:r>
-          </a:p>
-          <a:p>
-            <a:r>
-              <a:rPr lang="en-US" sz="2000" dirty="0"/>
-              <a:t>Solve for roots:  aX^2 + bX + c</a:t>
-            </a:r>
-          </a:p>
-          <a:p>
-            <a:r>
-              <a:rPr lang="en-US" sz="2000" dirty="0"/>
-              <a:t>(- b ± SQRT [ (b^2 – 4ac)] ) / 2a </a:t>
-            </a:r>
-          </a:p>
-          <a:p>
-            <a:r>
-              <a:rPr lang="en-US" sz="2000" dirty="0"/>
-              <a:t>Use: a = 2, b = 4, c = -4</a:t>
-            </a:r>
-          </a:p>
-          <a:p>
-            <a:r>
-              <a:rPr lang="en-US" sz="2000" dirty="0"/>
-              <a:t>Roots are: </a:t>
-            </a:r>
-            <a:r>
-              <a:rPr lang="en-US" sz="2000" b="0" i="1" dirty="0">
-                <a:solidFill>
-                  <a:srgbClr val="202122"/>
-                </a:solidFill>
-                <a:effectLst/>
-              </a:rPr>
-              <a:t>x</a:t>
-            </a:r>
-            <a:r>
-              <a:rPr lang="en-US" sz="2000" b="0" i="0" dirty="0">
-                <a:solidFill>
-                  <a:srgbClr val="202122"/>
-                </a:solidFill>
-                <a:effectLst/>
-              </a:rPr>
-              <a:t> = −1 + √3 and </a:t>
-            </a:r>
-            <a:r>
-              <a:rPr lang="en-US" sz="2000" b="0" i="1" dirty="0">
-                <a:solidFill>
-                  <a:srgbClr val="202122"/>
-                </a:solidFill>
-                <a:effectLst/>
-              </a:rPr>
-              <a:t>x</a:t>
-            </a:r>
-            <a:r>
-              <a:rPr lang="en-US" sz="2000" b="0" i="0" dirty="0">
-                <a:solidFill>
-                  <a:srgbClr val="202122"/>
-                </a:solidFill>
-                <a:effectLst/>
-              </a:rPr>
-              <a:t> = −1 − √3  (0.732051 and -2.732051)</a:t>
-            </a:r>
-            <a:endParaRPr lang="en-US" sz="2000" dirty="0"/>
-          </a:p>
-          <a:p>
-            <a:pPr>
-              <a:spcAft>
-                <a:spcPts val="600"/>
-              </a:spcAft>
-            </a:pPr>
-            <a:endParaRPr lang="en-US" sz="2000" dirty="0"/>
-          </a:p>
-          <a:p>
-            <a:pPr>
-              <a:spcAft>
-                <a:spcPts val="600"/>
-              </a:spcAft>
-            </a:pPr>
-            <a:r>
-              <a:rPr lang="en-US" sz="2000" dirty="0"/>
-              <a:t>RPN logic calculator:</a:t>
-            </a:r>
-          </a:p>
-          <a:p>
-            <a:pPr>
-              <a:spcAft>
-                <a:spcPts val="600"/>
-              </a:spcAft>
-            </a:pPr>
-            <a:r>
-              <a:rPr lang="en-US" sz="2000" dirty="0"/>
-              <a:t>Enter:  4 +- 4 2 ^ 4 2 * 4 +- * +- + SQRT + 2 2 * / </a:t>
-            </a:r>
-          </a:p>
-          <a:p>
-            <a:pPr>
-              <a:spcAft>
-                <a:spcPts val="600"/>
-              </a:spcAft>
-            </a:pPr>
-            <a:endParaRPr lang="en-US" sz="2000" dirty="0"/>
-          </a:p>
-          <a:p>
-            <a:pPr>
-              <a:spcAft>
-                <a:spcPts val="600"/>
-              </a:spcAft>
-            </a:pPr>
-            <a:endParaRPr lang="en-US" sz="1800" dirty="0"/>
-          </a:p>
-        </p:txBody>
-      </p:sp>
-    </p:spTree>
-    <p:extLst>
-      <p:ext uri="{BB962C8B-B14F-4D97-AF65-F5344CB8AC3E}">
-        <p14:creationId xmlns:p14="http://schemas.microsoft.com/office/powerpoint/2010/main" val="1222133304"/>
-      </p:ext>
-    </p:extLst>
-  </p:cSld>
-  <p:clrMapOvr>
-    <a:masterClrMapping/>
-  </p:clrMapOvr>
-</p:sld>
-</file>
-
-<file path=ppt/slides/slide5.xml><?xml version="1.0" encoding="utf-8"?>
 <p:sld xmlns:a="http://schemas.openxmlformats.org/drawingml/2006/main" xmlns:r="http://schemas.openxmlformats.org/officeDocument/2006/relationships" xmlns:p="http://schemas.openxmlformats.org/presentationml/2006/main">
   <p:cSld>
     <p:spTree>

--- a/Final_Project.pptx
+++ b/Final_Project.pptx
@@ -7,7 +7,9 @@
   <p:sldIdLst>
     <p:sldId id="257" r:id="rId5"/>
     <p:sldId id="265" r:id="rId6"/>
-    <p:sldId id="267" r:id="rId7"/>
+    <p:sldId id="261" r:id="rId7"/>
+    <p:sldId id="266" r:id="rId8"/>
+    <p:sldId id="267" r:id="rId9"/>
   </p:sldIdLst>
   <p:sldSz cx="12192000" cy="6858000"/>
   <p:notesSz cx="6858000" cy="9144000"/>
@@ -910,7 +912,7 @@
           <a:p>
             <a:fld id="{EA0C0817-A112-4847-8014-A94B7D2A4EA3}" type="datetime1">
               <a:rPr lang="en-US" smtClean="0"/>
-              <a:t>12/9/2021</a:t>
+              <a:t>12/12/2021</a:t>
             </a:fld>
             <a:endParaRPr lang="en-US" dirty="0"/>
           </a:p>
@@ -1112,7 +1114,7 @@
           <a:p>
             <a:fld id="{7332B432-ACDA-4023-A761-2BAB76577B62}" type="datetime1">
               <a:rPr lang="en-US" smtClean="0"/>
-              <a:t>12/9/2021</a:t>
+              <a:t>12/12/2021</a:t>
             </a:fld>
             <a:endParaRPr lang="en-US" dirty="0"/>
           </a:p>
@@ -1711,7 +1713,7 @@
           <a:p>
             <a:fld id="{D9C646AA-F36E-4540-911D-FFFC0A0EF24A}" type="datetime1">
               <a:rPr lang="en-US" smtClean="0"/>
-              <a:t>12/9/2021</a:t>
+              <a:t>12/12/2021</a:t>
             </a:fld>
             <a:endParaRPr lang="en-US" dirty="0"/>
           </a:p>
@@ -2031,7 +2033,7 @@
           <a:p>
             <a:fld id="{69186D26-FA5F-4637-B602-B7C2DC34CFD4}" type="datetime1">
               <a:rPr lang="en-US" smtClean="0"/>
-              <a:t>12/9/2021</a:t>
+              <a:t>12/12/2021</a:t>
             </a:fld>
             <a:endParaRPr lang="en-US" dirty="0"/>
           </a:p>
@@ -2468,7 +2470,7 @@
           <a:p>
             <a:fld id="{8A7F15D8-96D1-4781-BC50-CA8A088B2FE4}" type="datetime1">
               <a:rPr lang="en-US" smtClean="0"/>
-              <a:t>12/9/2021</a:t>
+              <a:t>12/12/2021</a:t>
             </a:fld>
             <a:endParaRPr lang="en-US" dirty="0"/>
           </a:p>
@@ -2586,7 +2588,7 @@
           <a:p>
             <a:fld id="{F9A96C99-B8F8-4528-BD05-0E16E943DC09}" type="datetime1">
               <a:rPr lang="en-US" smtClean="0"/>
-              <a:t>12/9/2021</a:t>
+              <a:t>12/12/2021</a:t>
             </a:fld>
             <a:endParaRPr lang="en-US" dirty="0"/>
           </a:p>
@@ -2681,7 +2683,7 @@
           <a:p>
             <a:fld id="{03636942-C211-4B28-8DBD-C953E00AF71B}" type="datetime1">
               <a:rPr lang="en-US" smtClean="0"/>
-              <a:t>12/9/2021</a:t>
+              <a:t>12/12/2021</a:t>
             </a:fld>
             <a:endParaRPr lang="en-US" dirty="0"/>
           </a:p>
@@ -3098,7 +3100,7 @@
           <a:p>
             <a:fld id="{7E8D12A6-918A-48BD-8CB9-CA713993B0EA}" type="datetime1">
               <a:rPr lang="en-US" smtClean="0"/>
-              <a:t>12/9/2021</a:t>
+              <a:t>12/12/2021</a:t>
             </a:fld>
             <a:endParaRPr lang="en-US" dirty="0"/>
           </a:p>
@@ -3360,7 +3362,7 @@
             <a:fld id="{E778CE86-875F-4587-BCF6-FA054AFC0D53}" type="datetime1">
               <a:rPr lang="en-US" smtClean="0"/>
               <a:pPr/>
-              <a:t>12/9/2021</a:t>
+              <a:t>12/12/2021</a:t>
             </a:fld>
             <a:endParaRPr lang="en-US" dirty="0"/>
           </a:p>
@@ -3876,7 +3878,7 @@
           <a:p>
             <a:fld id="{F6FA2B21-3FCD-4721-B95C-427943F61125}" type="datetime1">
               <a:rPr lang="en-US" smtClean="0"/>
-              <a:t>12/9/2021</a:t>
+              <a:t>12/12/2021</a:t>
             </a:fld>
             <a:endParaRPr lang="en-US" dirty="0"/>
           </a:p>
@@ -4919,6 +4921,813 @@
           <p:cNvPr id="2" name="Title 1">
             <a:extLst>
               <a:ext uri="{FF2B5EF4-FFF2-40B4-BE49-F238E27FC236}">
+                <a16:creationId xmlns:a16="http://schemas.microsoft.com/office/drawing/2014/main" id="{7A4919D0-F177-4BBA-9A0B-DBA69E2ED764}"/>
+              </a:ext>
+            </a:extLst>
+          </p:cNvPr>
+          <p:cNvSpPr>
+            <a:spLocks noGrp="1"/>
+          </p:cNvSpPr>
+          <p:nvPr>
+            <p:ph type="title"/>
+          </p:nvPr>
+        </p:nvSpPr>
+        <p:spPr/>
+        <p:txBody>
+          <a:bodyPr anchor="ctr">
+            <a:normAutofit/>
+          </a:bodyPr>
+          <a:lstStyle/>
+          <a:p>
+            <a:r>
+              <a:rPr lang="en-US" dirty="0"/>
+              <a:t>Example calculation 1</a:t>
+            </a:r>
+          </a:p>
+        </p:txBody>
+      </p:sp>
+      <p:sp>
+        <p:nvSpPr>
+          <p:cNvPr id="13" name="Subtitle 2">
+            <a:extLst>
+              <a:ext uri="{FF2B5EF4-FFF2-40B4-BE49-F238E27FC236}">
+                <a16:creationId xmlns:a16="http://schemas.microsoft.com/office/drawing/2014/main" id="{4D7F494A-967B-456B-8B01-1FBFACBBB94D}"/>
+              </a:ext>
+            </a:extLst>
+          </p:cNvPr>
+          <p:cNvSpPr txBox="1">
+            <a:spLocks/>
+          </p:cNvSpPr>
+          <p:nvPr/>
+        </p:nvSpPr>
+        <p:spPr>
+          <a:xfrm>
+            <a:off x="1066800" y="2014194"/>
+            <a:ext cx="9112898" cy="4201212"/>
+          </a:xfrm>
+          <a:prstGeom prst="rect">
+            <a:avLst/>
+          </a:prstGeom>
+        </p:spPr>
+        <p:txBody>
+          <a:bodyPr>
+            <a:normAutofit/>
+          </a:bodyPr>
+          <a:lstStyle>
+            <a:lvl1pPr marL="182880" indent="-182880" algn="l" defTabSz="914400" rtl="0" eaLnBrk="1" latinLnBrk="0" hangingPunct="1">
+              <a:lnSpc>
+                <a:spcPct val="110000"/>
+              </a:lnSpc>
+              <a:spcBef>
+                <a:spcPts val="900"/>
+              </a:spcBef>
+              <a:spcAft>
+                <a:spcPts val="0"/>
+              </a:spcAft>
+              <a:buClr>
+                <a:schemeClr val="tx1">
+                  <a:lumMod val="85000"/>
+                  <a:lumOff val="15000"/>
+                </a:schemeClr>
+              </a:buClr>
+              <a:buFont typeface="Garamond" pitchFamily="18" charset="0"/>
+              <a:buChar char="◦"/>
+              <a:defRPr sz="1500" kern="1200">
+                <a:solidFill>
+                  <a:schemeClr val="tx1"/>
+                </a:solidFill>
+                <a:latin typeface="+mn-lt"/>
+                <a:ea typeface="+mn-ea"/>
+                <a:cs typeface="+mn-cs"/>
+              </a:defRPr>
+            </a:lvl1pPr>
+            <a:lvl2pPr marL="457200" indent="-182880" algn="l" defTabSz="914400" rtl="0" eaLnBrk="1" latinLnBrk="0" hangingPunct="1">
+              <a:lnSpc>
+                <a:spcPct val="100000"/>
+              </a:lnSpc>
+              <a:spcBef>
+                <a:spcPts val="500"/>
+              </a:spcBef>
+              <a:buClr>
+                <a:schemeClr val="tx1">
+                  <a:lumMod val="85000"/>
+                  <a:lumOff val="15000"/>
+                </a:schemeClr>
+              </a:buClr>
+              <a:buFont typeface="Garamond" pitchFamily="18" charset="0"/>
+              <a:buChar char="◦"/>
+              <a:defRPr sz="1300" kern="1200">
+                <a:solidFill>
+                  <a:schemeClr val="tx1"/>
+                </a:solidFill>
+                <a:latin typeface="+mn-lt"/>
+                <a:ea typeface="+mn-ea"/>
+                <a:cs typeface="+mn-cs"/>
+              </a:defRPr>
+            </a:lvl2pPr>
+            <a:lvl3pPr marL="731520" indent="-182880" algn="l" defTabSz="914400" rtl="0" eaLnBrk="1" latinLnBrk="0" hangingPunct="1">
+              <a:lnSpc>
+                <a:spcPct val="100000"/>
+              </a:lnSpc>
+              <a:spcBef>
+                <a:spcPts val="500"/>
+              </a:spcBef>
+              <a:buClr>
+                <a:schemeClr val="tx1">
+                  <a:lumMod val="85000"/>
+                  <a:lumOff val="15000"/>
+                </a:schemeClr>
+              </a:buClr>
+              <a:buFont typeface="Garamond" pitchFamily="18" charset="0"/>
+              <a:buChar char="◦"/>
+              <a:defRPr sz="1200" kern="1200">
+                <a:solidFill>
+                  <a:schemeClr val="tx1"/>
+                </a:solidFill>
+                <a:latin typeface="+mn-lt"/>
+                <a:ea typeface="+mn-ea"/>
+                <a:cs typeface="+mn-cs"/>
+              </a:defRPr>
+            </a:lvl3pPr>
+            <a:lvl4pPr marL="1005840" indent="-182880" algn="l" defTabSz="914400" rtl="0" eaLnBrk="1" latinLnBrk="0" hangingPunct="1">
+              <a:lnSpc>
+                <a:spcPct val="100000"/>
+              </a:lnSpc>
+              <a:spcBef>
+                <a:spcPts val="500"/>
+              </a:spcBef>
+              <a:buClr>
+                <a:schemeClr val="tx1">
+                  <a:lumMod val="85000"/>
+                  <a:lumOff val="15000"/>
+                </a:schemeClr>
+              </a:buClr>
+              <a:buFont typeface="Garamond" pitchFamily="18" charset="0"/>
+              <a:buChar char="◦"/>
+              <a:defRPr sz="1200" kern="1200">
+                <a:solidFill>
+                  <a:schemeClr val="tx1"/>
+                </a:solidFill>
+                <a:latin typeface="+mn-lt"/>
+                <a:ea typeface="+mn-ea"/>
+                <a:cs typeface="+mn-cs"/>
+              </a:defRPr>
+            </a:lvl4pPr>
+            <a:lvl5pPr marL="1280160" indent="-182880" algn="l" defTabSz="914400" rtl="0" eaLnBrk="1" latinLnBrk="0" hangingPunct="1">
+              <a:lnSpc>
+                <a:spcPct val="100000"/>
+              </a:lnSpc>
+              <a:spcBef>
+                <a:spcPts val="500"/>
+              </a:spcBef>
+              <a:buClr>
+                <a:schemeClr val="tx1">
+                  <a:lumMod val="85000"/>
+                  <a:lumOff val="15000"/>
+                </a:schemeClr>
+              </a:buClr>
+              <a:buFont typeface="Garamond" pitchFamily="18" charset="0"/>
+              <a:buChar char="◦"/>
+              <a:defRPr sz="1200" kern="1200">
+                <a:solidFill>
+                  <a:schemeClr val="tx1"/>
+                </a:solidFill>
+                <a:latin typeface="+mn-lt"/>
+                <a:ea typeface="+mn-ea"/>
+                <a:cs typeface="+mn-cs"/>
+              </a:defRPr>
+            </a:lvl5pPr>
+            <a:lvl6pPr marL="1600000" indent="-228600" algn="l" defTabSz="914400" rtl="0" eaLnBrk="1" latinLnBrk="0" hangingPunct="1">
+              <a:lnSpc>
+                <a:spcPct val="100000"/>
+              </a:lnSpc>
+              <a:spcBef>
+                <a:spcPts val="500"/>
+              </a:spcBef>
+              <a:buClr>
+                <a:schemeClr val="tx1">
+                  <a:lumMod val="85000"/>
+                  <a:lumOff val="15000"/>
+                </a:schemeClr>
+              </a:buClr>
+              <a:buFont typeface="Garamond" pitchFamily="18" charset="0"/>
+              <a:buChar char="◦"/>
+              <a:defRPr sz="1400" kern="1200">
+                <a:solidFill>
+                  <a:schemeClr val="tx1"/>
+                </a:solidFill>
+                <a:latin typeface="+mn-lt"/>
+                <a:ea typeface="+mn-ea"/>
+                <a:cs typeface="+mn-cs"/>
+              </a:defRPr>
+            </a:lvl6pPr>
+            <a:lvl7pPr marL="1900000" indent="-228600" algn="l" defTabSz="914400" rtl="0" eaLnBrk="1" latinLnBrk="0" hangingPunct="1">
+              <a:lnSpc>
+                <a:spcPct val="100000"/>
+              </a:lnSpc>
+              <a:spcBef>
+                <a:spcPts val="500"/>
+              </a:spcBef>
+              <a:buClr>
+                <a:schemeClr val="tx1">
+                  <a:lumMod val="85000"/>
+                  <a:lumOff val="15000"/>
+                </a:schemeClr>
+              </a:buClr>
+              <a:buFont typeface="Garamond" pitchFamily="18" charset="0"/>
+              <a:buChar char="◦"/>
+              <a:defRPr sz="1400" kern="1200">
+                <a:solidFill>
+                  <a:schemeClr val="tx1"/>
+                </a:solidFill>
+                <a:latin typeface="+mn-lt"/>
+                <a:ea typeface="+mn-ea"/>
+                <a:cs typeface="+mn-cs"/>
+              </a:defRPr>
+            </a:lvl7pPr>
+            <a:lvl8pPr marL="2200000" indent="-228600" algn="l" defTabSz="914400" rtl="0" eaLnBrk="1" latinLnBrk="0" hangingPunct="1">
+              <a:lnSpc>
+                <a:spcPct val="100000"/>
+              </a:lnSpc>
+              <a:spcBef>
+                <a:spcPts val="500"/>
+              </a:spcBef>
+              <a:buClr>
+                <a:schemeClr val="tx1">
+                  <a:lumMod val="85000"/>
+                  <a:lumOff val="15000"/>
+                </a:schemeClr>
+              </a:buClr>
+              <a:buFont typeface="Garamond" pitchFamily="18" charset="0"/>
+              <a:buChar char="◦"/>
+              <a:defRPr sz="1400" kern="1200">
+                <a:solidFill>
+                  <a:schemeClr val="tx1"/>
+                </a:solidFill>
+                <a:latin typeface="+mn-lt"/>
+                <a:ea typeface="+mn-ea"/>
+                <a:cs typeface="+mn-cs"/>
+              </a:defRPr>
+            </a:lvl8pPr>
+            <a:lvl9pPr marL="2500000" indent="-228600" algn="l" defTabSz="914400" rtl="0" eaLnBrk="1" latinLnBrk="0" hangingPunct="1">
+              <a:lnSpc>
+                <a:spcPct val="100000"/>
+              </a:lnSpc>
+              <a:spcBef>
+                <a:spcPts val="500"/>
+              </a:spcBef>
+              <a:buClr>
+                <a:schemeClr val="tx1">
+                  <a:lumMod val="85000"/>
+                  <a:lumOff val="15000"/>
+                </a:schemeClr>
+              </a:buClr>
+              <a:buFont typeface="Garamond" pitchFamily="18" charset="0"/>
+              <a:buChar char="◦"/>
+              <a:defRPr sz="1400" kern="1200">
+                <a:solidFill>
+                  <a:schemeClr val="tx1"/>
+                </a:solidFill>
+                <a:latin typeface="+mn-lt"/>
+                <a:ea typeface="+mn-ea"/>
+                <a:cs typeface="+mn-cs"/>
+              </a:defRPr>
+            </a:lvl9pPr>
+          </a:lstStyle>
+          <a:p>
+            <a:pPr>
+              <a:spcAft>
+                <a:spcPts val="600"/>
+              </a:spcAft>
+            </a:pPr>
+            <a:r>
+              <a:rPr lang="es-ES" sz="2000" dirty="0"/>
+              <a:t>Standard calculator:</a:t>
+            </a:r>
+          </a:p>
+          <a:p>
+            <a:pPr>
+              <a:spcAft>
+                <a:spcPts val="600"/>
+              </a:spcAft>
+            </a:pPr>
+            <a:r>
+              <a:rPr lang="es-ES" sz="2000" dirty="0"/>
+              <a:t>SQRT [ (3)^2 + (4)^2 ]  = 5</a:t>
+            </a:r>
+          </a:p>
+          <a:p>
+            <a:pPr>
+              <a:spcAft>
+                <a:spcPts val="600"/>
+              </a:spcAft>
+            </a:pPr>
+            <a:endParaRPr lang="en-US" sz="2000" dirty="0"/>
+          </a:p>
+          <a:p>
+            <a:pPr>
+              <a:spcAft>
+                <a:spcPts val="600"/>
+              </a:spcAft>
+            </a:pPr>
+            <a:endParaRPr lang="en-US" sz="2000" dirty="0"/>
+          </a:p>
+          <a:p>
+            <a:pPr>
+              <a:spcAft>
+                <a:spcPts val="600"/>
+              </a:spcAft>
+            </a:pPr>
+            <a:r>
+              <a:rPr lang="en-US" sz="2000" dirty="0"/>
+              <a:t>RPN logic calculator:</a:t>
+            </a:r>
+          </a:p>
+          <a:p>
+            <a:pPr>
+              <a:spcAft>
+                <a:spcPts val="600"/>
+              </a:spcAft>
+            </a:pPr>
+            <a:r>
+              <a:rPr lang="en-US" sz="2000" dirty="0"/>
+              <a:t>Enter:  3 ^2 4 ^2 + SQRT</a:t>
+            </a:r>
+            <a:endParaRPr lang="en-US" sz="1700" dirty="0"/>
+          </a:p>
+          <a:p>
+            <a:pPr>
+              <a:spcAft>
+                <a:spcPts val="600"/>
+              </a:spcAft>
+            </a:pPr>
+            <a:endParaRPr lang="en-US" sz="1800" dirty="0"/>
+          </a:p>
+        </p:txBody>
+      </p:sp>
+    </p:spTree>
+    <p:extLst>
+      <p:ext uri="{BB962C8B-B14F-4D97-AF65-F5344CB8AC3E}">
+        <p14:creationId xmlns:p14="http://schemas.microsoft.com/office/powerpoint/2010/main" val="183243182"/>
+      </p:ext>
+    </p:extLst>
+  </p:cSld>
+  <p:clrMapOvr>
+    <a:masterClrMapping/>
+  </p:clrMapOvr>
+</p:sld>
+</file>
+
+<file path=ppt/slides/slide4.xml><?xml version="1.0" encoding="utf-8"?>
+<p:sld xmlns:a="http://schemas.openxmlformats.org/drawingml/2006/main" xmlns:r="http://schemas.openxmlformats.org/officeDocument/2006/relationships" xmlns:p="http://schemas.openxmlformats.org/presentationml/2006/main">
+  <p:cSld>
+    <p:spTree>
+      <p:nvGrpSpPr>
+        <p:cNvPr id="1" name=""/>
+        <p:cNvGrpSpPr/>
+        <p:nvPr/>
+      </p:nvGrpSpPr>
+      <p:grpSpPr>
+        <a:xfrm>
+          <a:off x="0" y="0"/>
+          <a:ext cx="0" cy="0"/>
+          <a:chOff x="0" y="0"/>
+          <a:chExt cx="0" cy="0"/>
+        </a:xfrm>
+      </p:grpSpPr>
+      <p:sp>
+        <p:nvSpPr>
+          <p:cNvPr id="2" name="Title 1">
+            <a:extLst>
+              <a:ext uri="{FF2B5EF4-FFF2-40B4-BE49-F238E27FC236}">
+                <a16:creationId xmlns:a16="http://schemas.microsoft.com/office/drawing/2014/main" id="{7A4919D0-F177-4BBA-9A0B-DBA69E2ED764}"/>
+              </a:ext>
+            </a:extLst>
+          </p:cNvPr>
+          <p:cNvSpPr>
+            <a:spLocks noGrp="1"/>
+          </p:cNvSpPr>
+          <p:nvPr>
+            <p:ph type="title"/>
+          </p:nvPr>
+        </p:nvSpPr>
+        <p:spPr/>
+        <p:txBody>
+          <a:bodyPr anchor="ctr">
+            <a:normAutofit/>
+          </a:bodyPr>
+          <a:lstStyle/>
+          <a:p>
+            <a:r>
+              <a:rPr lang="en-US" dirty="0"/>
+              <a:t>Example calculation 2</a:t>
+            </a:r>
+          </a:p>
+        </p:txBody>
+      </p:sp>
+      <p:sp>
+        <p:nvSpPr>
+          <p:cNvPr id="13" name="Subtitle 2">
+            <a:extLst>
+              <a:ext uri="{FF2B5EF4-FFF2-40B4-BE49-F238E27FC236}">
+                <a16:creationId xmlns:a16="http://schemas.microsoft.com/office/drawing/2014/main" id="{4D7F494A-967B-456B-8B01-1FBFACBBB94D}"/>
+              </a:ext>
+            </a:extLst>
+          </p:cNvPr>
+          <p:cNvSpPr txBox="1">
+            <a:spLocks/>
+          </p:cNvSpPr>
+          <p:nvPr/>
+        </p:nvSpPr>
+        <p:spPr>
+          <a:xfrm>
+            <a:off x="1066800" y="2014194"/>
+            <a:ext cx="9112898" cy="4201212"/>
+          </a:xfrm>
+          <a:prstGeom prst="rect">
+            <a:avLst/>
+          </a:prstGeom>
+        </p:spPr>
+        <p:txBody>
+          <a:bodyPr>
+            <a:normAutofit/>
+          </a:bodyPr>
+          <a:lstStyle>
+            <a:lvl1pPr marL="182880" indent="-182880" algn="l" defTabSz="914400" rtl="0" eaLnBrk="1" latinLnBrk="0" hangingPunct="1">
+              <a:lnSpc>
+                <a:spcPct val="110000"/>
+              </a:lnSpc>
+              <a:spcBef>
+                <a:spcPts val="900"/>
+              </a:spcBef>
+              <a:spcAft>
+                <a:spcPts val="0"/>
+              </a:spcAft>
+              <a:buClr>
+                <a:schemeClr val="tx1">
+                  <a:lumMod val="85000"/>
+                  <a:lumOff val="15000"/>
+                </a:schemeClr>
+              </a:buClr>
+              <a:buFont typeface="Garamond" pitchFamily="18" charset="0"/>
+              <a:buChar char="◦"/>
+              <a:defRPr sz="1500" kern="1200">
+                <a:solidFill>
+                  <a:schemeClr val="tx1"/>
+                </a:solidFill>
+                <a:latin typeface="+mn-lt"/>
+                <a:ea typeface="+mn-ea"/>
+                <a:cs typeface="+mn-cs"/>
+              </a:defRPr>
+            </a:lvl1pPr>
+            <a:lvl2pPr marL="457200" indent="-182880" algn="l" defTabSz="914400" rtl="0" eaLnBrk="1" latinLnBrk="0" hangingPunct="1">
+              <a:lnSpc>
+                <a:spcPct val="100000"/>
+              </a:lnSpc>
+              <a:spcBef>
+                <a:spcPts val="500"/>
+              </a:spcBef>
+              <a:buClr>
+                <a:schemeClr val="tx1">
+                  <a:lumMod val="85000"/>
+                  <a:lumOff val="15000"/>
+                </a:schemeClr>
+              </a:buClr>
+              <a:buFont typeface="Garamond" pitchFamily="18" charset="0"/>
+              <a:buChar char="◦"/>
+              <a:defRPr sz="1300" kern="1200">
+                <a:solidFill>
+                  <a:schemeClr val="tx1"/>
+                </a:solidFill>
+                <a:latin typeface="+mn-lt"/>
+                <a:ea typeface="+mn-ea"/>
+                <a:cs typeface="+mn-cs"/>
+              </a:defRPr>
+            </a:lvl2pPr>
+            <a:lvl3pPr marL="731520" indent="-182880" algn="l" defTabSz="914400" rtl="0" eaLnBrk="1" latinLnBrk="0" hangingPunct="1">
+              <a:lnSpc>
+                <a:spcPct val="100000"/>
+              </a:lnSpc>
+              <a:spcBef>
+                <a:spcPts val="500"/>
+              </a:spcBef>
+              <a:buClr>
+                <a:schemeClr val="tx1">
+                  <a:lumMod val="85000"/>
+                  <a:lumOff val="15000"/>
+                </a:schemeClr>
+              </a:buClr>
+              <a:buFont typeface="Garamond" pitchFamily="18" charset="0"/>
+              <a:buChar char="◦"/>
+              <a:defRPr sz="1200" kern="1200">
+                <a:solidFill>
+                  <a:schemeClr val="tx1"/>
+                </a:solidFill>
+                <a:latin typeface="+mn-lt"/>
+                <a:ea typeface="+mn-ea"/>
+                <a:cs typeface="+mn-cs"/>
+              </a:defRPr>
+            </a:lvl3pPr>
+            <a:lvl4pPr marL="1005840" indent="-182880" algn="l" defTabSz="914400" rtl="0" eaLnBrk="1" latinLnBrk="0" hangingPunct="1">
+              <a:lnSpc>
+                <a:spcPct val="100000"/>
+              </a:lnSpc>
+              <a:spcBef>
+                <a:spcPts val="500"/>
+              </a:spcBef>
+              <a:buClr>
+                <a:schemeClr val="tx1">
+                  <a:lumMod val="85000"/>
+                  <a:lumOff val="15000"/>
+                </a:schemeClr>
+              </a:buClr>
+              <a:buFont typeface="Garamond" pitchFamily="18" charset="0"/>
+              <a:buChar char="◦"/>
+              <a:defRPr sz="1200" kern="1200">
+                <a:solidFill>
+                  <a:schemeClr val="tx1"/>
+                </a:solidFill>
+                <a:latin typeface="+mn-lt"/>
+                <a:ea typeface="+mn-ea"/>
+                <a:cs typeface="+mn-cs"/>
+              </a:defRPr>
+            </a:lvl4pPr>
+            <a:lvl5pPr marL="1280160" indent="-182880" algn="l" defTabSz="914400" rtl="0" eaLnBrk="1" latinLnBrk="0" hangingPunct="1">
+              <a:lnSpc>
+                <a:spcPct val="100000"/>
+              </a:lnSpc>
+              <a:spcBef>
+                <a:spcPts val="500"/>
+              </a:spcBef>
+              <a:buClr>
+                <a:schemeClr val="tx1">
+                  <a:lumMod val="85000"/>
+                  <a:lumOff val="15000"/>
+                </a:schemeClr>
+              </a:buClr>
+              <a:buFont typeface="Garamond" pitchFamily="18" charset="0"/>
+              <a:buChar char="◦"/>
+              <a:defRPr sz="1200" kern="1200">
+                <a:solidFill>
+                  <a:schemeClr val="tx1"/>
+                </a:solidFill>
+                <a:latin typeface="+mn-lt"/>
+                <a:ea typeface="+mn-ea"/>
+                <a:cs typeface="+mn-cs"/>
+              </a:defRPr>
+            </a:lvl5pPr>
+            <a:lvl6pPr marL="1600000" indent="-228600" algn="l" defTabSz="914400" rtl="0" eaLnBrk="1" latinLnBrk="0" hangingPunct="1">
+              <a:lnSpc>
+                <a:spcPct val="100000"/>
+              </a:lnSpc>
+              <a:spcBef>
+                <a:spcPts val="500"/>
+              </a:spcBef>
+              <a:buClr>
+                <a:schemeClr val="tx1">
+                  <a:lumMod val="85000"/>
+                  <a:lumOff val="15000"/>
+                </a:schemeClr>
+              </a:buClr>
+              <a:buFont typeface="Garamond" pitchFamily="18" charset="0"/>
+              <a:buChar char="◦"/>
+              <a:defRPr sz="1400" kern="1200">
+                <a:solidFill>
+                  <a:schemeClr val="tx1"/>
+                </a:solidFill>
+                <a:latin typeface="+mn-lt"/>
+                <a:ea typeface="+mn-ea"/>
+                <a:cs typeface="+mn-cs"/>
+              </a:defRPr>
+            </a:lvl6pPr>
+            <a:lvl7pPr marL="1900000" indent="-228600" algn="l" defTabSz="914400" rtl="0" eaLnBrk="1" latinLnBrk="0" hangingPunct="1">
+              <a:lnSpc>
+                <a:spcPct val="100000"/>
+              </a:lnSpc>
+              <a:spcBef>
+                <a:spcPts val="500"/>
+              </a:spcBef>
+              <a:buClr>
+                <a:schemeClr val="tx1">
+                  <a:lumMod val="85000"/>
+                  <a:lumOff val="15000"/>
+                </a:schemeClr>
+              </a:buClr>
+              <a:buFont typeface="Garamond" pitchFamily="18" charset="0"/>
+              <a:buChar char="◦"/>
+              <a:defRPr sz="1400" kern="1200">
+                <a:solidFill>
+                  <a:schemeClr val="tx1"/>
+                </a:solidFill>
+                <a:latin typeface="+mn-lt"/>
+                <a:ea typeface="+mn-ea"/>
+                <a:cs typeface="+mn-cs"/>
+              </a:defRPr>
+            </a:lvl7pPr>
+            <a:lvl8pPr marL="2200000" indent="-228600" algn="l" defTabSz="914400" rtl="0" eaLnBrk="1" latinLnBrk="0" hangingPunct="1">
+              <a:lnSpc>
+                <a:spcPct val="100000"/>
+              </a:lnSpc>
+              <a:spcBef>
+                <a:spcPts val="500"/>
+              </a:spcBef>
+              <a:buClr>
+                <a:schemeClr val="tx1">
+                  <a:lumMod val="85000"/>
+                  <a:lumOff val="15000"/>
+                </a:schemeClr>
+              </a:buClr>
+              <a:buFont typeface="Garamond" pitchFamily="18" charset="0"/>
+              <a:buChar char="◦"/>
+              <a:defRPr sz="1400" kern="1200">
+                <a:solidFill>
+                  <a:schemeClr val="tx1"/>
+                </a:solidFill>
+                <a:latin typeface="+mn-lt"/>
+                <a:ea typeface="+mn-ea"/>
+                <a:cs typeface="+mn-cs"/>
+              </a:defRPr>
+            </a:lvl8pPr>
+            <a:lvl9pPr marL="2500000" indent="-228600" algn="l" defTabSz="914400" rtl="0" eaLnBrk="1" latinLnBrk="0" hangingPunct="1">
+              <a:lnSpc>
+                <a:spcPct val="100000"/>
+              </a:lnSpc>
+              <a:spcBef>
+                <a:spcPts val="500"/>
+              </a:spcBef>
+              <a:buClr>
+                <a:schemeClr val="tx1">
+                  <a:lumMod val="85000"/>
+                  <a:lumOff val="15000"/>
+                </a:schemeClr>
+              </a:buClr>
+              <a:buFont typeface="Garamond" pitchFamily="18" charset="0"/>
+              <a:buChar char="◦"/>
+              <a:defRPr sz="1400" kern="1200">
+                <a:solidFill>
+                  <a:schemeClr val="tx1"/>
+                </a:solidFill>
+                <a:latin typeface="+mn-lt"/>
+                <a:ea typeface="+mn-ea"/>
+                <a:cs typeface="+mn-cs"/>
+              </a:defRPr>
+            </a:lvl9pPr>
+          </a:lstStyle>
+          <a:p>
+            <a:pPr>
+              <a:spcAft>
+                <a:spcPts val="600"/>
+              </a:spcAft>
+            </a:pPr>
+            <a:r>
+              <a:rPr lang="es-ES" sz="2000" dirty="0"/>
+              <a:t>Quadratic equation:</a:t>
+            </a:r>
+          </a:p>
+          <a:p>
+            <a:r>
+              <a:rPr lang="en-US" sz="2000" dirty="0"/>
+              <a:t>Solve for roots:  aX^2 + bX + c</a:t>
+            </a:r>
+          </a:p>
+          <a:p>
+            <a:r>
+              <a:rPr lang="en-US" sz="2000" dirty="0"/>
+              <a:t>(- b ± SQRT [ (b^2 – 4ac)] ) / 2a </a:t>
+            </a:r>
+          </a:p>
+          <a:p>
+            <a:r>
+              <a:rPr lang="en-US" sz="2000" dirty="0"/>
+              <a:t>Use: a = 2, b = 4, c = -4</a:t>
+            </a:r>
+          </a:p>
+          <a:p>
+            <a:r>
+              <a:rPr lang="en-US" sz="2000" dirty="0"/>
+              <a:t>Roots are: </a:t>
+            </a:r>
+            <a:r>
+              <a:rPr lang="en-US" sz="2000" b="0" i="1" dirty="0">
+                <a:solidFill>
+                  <a:srgbClr val="202122"/>
+                </a:solidFill>
+                <a:effectLst/>
+              </a:rPr>
+              <a:t>x</a:t>
+            </a:r>
+            <a:r>
+              <a:rPr lang="en-US" sz="2000" b="0" i="0" dirty="0">
+                <a:solidFill>
+                  <a:srgbClr val="202122"/>
+                </a:solidFill>
+                <a:effectLst/>
+              </a:rPr>
+              <a:t> = −1 + √3 and </a:t>
+            </a:r>
+            <a:r>
+              <a:rPr lang="en-US" sz="2000" b="0" i="1" dirty="0">
+                <a:solidFill>
+                  <a:srgbClr val="202122"/>
+                </a:solidFill>
+                <a:effectLst/>
+              </a:rPr>
+              <a:t>x</a:t>
+            </a:r>
+            <a:r>
+              <a:rPr lang="en-US" sz="2000" b="0" i="0" dirty="0">
+                <a:solidFill>
+                  <a:srgbClr val="202122"/>
+                </a:solidFill>
+                <a:effectLst/>
+              </a:rPr>
+              <a:t> = −1 − √3  (0.732051 and -2.732051)</a:t>
+            </a:r>
+            <a:endParaRPr lang="en-US" sz="2000" dirty="0"/>
+          </a:p>
+          <a:p>
+            <a:pPr>
+              <a:spcAft>
+                <a:spcPts val="600"/>
+              </a:spcAft>
+            </a:pPr>
+            <a:endParaRPr lang="en-US" sz="2000" dirty="0"/>
+          </a:p>
+          <a:p>
+            <a:pPr>
+              <a:spcAft>
+                <a:spcPts val="600"/>
+              </a:spcAft>
+            </a:pPr>
+            <a:r>
+              <a:rPr lang="en-US" sz="2000" dirty="0"/>
+              <a:t>RPN logic calculator:</a:t>
+            </a:r>
+          </a:p>
+          <a:p>
+            <a:pPr>
+              <a:spcAft>
+                <a:spcPts val="600"/>
+              </a:spcAft>
+            </a:pPr>
+            <a:r>
+              <a:rPr lang="en-US" sz="2000" dirty="0"/>
+              <a:t>Enter:  4 +- 4 2 ^ 4 2 * 4 +- * +- + SQRT + 2 2 * / </a:t>
+            </a:r>
+          </a:p>
+          <a:p>
+            <a:pPr>
+              <a:spcAft>
+                <a:spcPts val="600"/>
+              </a:spcAft>
+            </a:pPr>
+            <a:endParaRPr lang="en-US" sz="2000" dirty="0"/>
+          </a:p>
+          <a:p>
+            <a:pPr>
+              <a:spcAft>
+                <a:spcPts val="600"/>
+              </a:spcAft>
+            </a:pPr>
+            <a:endParaRPr lang="en-US" sz="1800" dirty="0"/>
+          </a:p>
+        </p:txBody>
+      </p:sp>
+    </p:spTree>
+    <p:extLst>
+      <p:ext uri="{BB962C8B-B14F-4D97-AF65-F5344CB8AC3E}">
+        <p14:creationId xmlns:p14="http://schemas.microsoft.com/office/powerpoint/2010/main" val="1222133304"/>
+      </p:ext>
+    </p:extLst>
+  </p:cSld>
+  <p:clrMapOvr>
+    <a:masterClrMapping/>
+  </p:clrMapOvr>
+</p:sld>
+</file>
+
+<file path=ppt/slides/slide5.xml><?xml version="1.0" encoding="utf-8"?>
+<p:sld xmlns:a="http://schemas.openxmlformats.org/drawingml/2006/main" xmlns:r="http://schemas.openxmlformats.org/officeDocument/2006/relationships" xmlns:p="http://schemas.openxmlformats.org/presentationml/2006/main">
+  <p:cSld>
+    <p:spTree>
+      <p:nvGrpSpPr>
+        <p:cNvPr id="1" name=""/>
+        <p:cNvGrpSpPr/>
+        <p:nvPr/>
+      </p:nvGrpSpPr>
+      <p:grpSpPr>
+        <a:xfrm>
+          <a:off x="0" y="0"/>
+          <a:ext cx="0" cy="0"/>
+          <a:chOff x="0" y="0"/>
+          <a:chExt cx="0" cy="0"/>
+        </a:xfrm>
+      </p:grpSpPr>
+      <p:sp>
+        <p:nvSpPr>
+          <p:cNvPr id="2" name="Title 1">
+            <a:extLst>
+              <a:ext uri="{FF2B5EF4-FFF2-40B4-BE49-F238E27FC236}">
                 <a16:creationId xmlns:a16="http://schemas.microsoft.com/office/drawing/2014/main" id="{18C3B467-088C-4F3D-A9A7-105C4E1E20CD}"/>
               </a:ext>
             </a:extLst>
@@ -5363,24 +6172,6 @@
 </file>
 
 <file path=customXml/item1.xml><?xml version="1.0" encoding="utf-8"?>
-<p:properties xmlns:p="http://schemas.microsoft.com/office/2006/metadata/properties" xmlns:xsi="http://www.w3.org/2001/XMLSchema-instance" xmlns:pc="http://schemas.microsoft.com/office/infopath/2007/PartnerControls">
-  <documentManagement>
-    <Status xmlns="71af3243-3dd4-4a8d-8c0d-dd76da1f02a5">Not started</Status>
-    <MediaServiceKeyPoints xmlns="71af3243-3dd4-4a8d-8c0d-dd76da1f02a5" xsi:nil="true"/>
-  </documentManagement>
-</p:properties>
-</file>
-
-<file path=customXml/item2.xml><?xml version="1.0" encoding="utf-8"?>
-<?mso-contentType ?>
-<FormTemplates xmlns="http://schemas.microsoft.com/sharepoint/v3/contenttype/forms">
-  <Display>DocumentLibraryForm</Display>
-  <Edit>DocumentLibraryForm</Edit>
-  <New>DocumentLibraryForm</New>
-</FormTemplates>
-</file>
-
-<file path=customXml/item3.xml><?xml version="1.0" encoding="utf-8"?>
 <ct:contentTypeSchema xmlns:ct="http://schemas.microsoft.com/office/2006/metadata/contentType" xmlns:ma="http://schemas.microsoft.com/office/2006/metadata/properties/metaAttributes" ct:_="" ma:_="" ma:contentTypeName="Document" ma:contentTypeID="0x01010079F111ED35F8CC479449609E8A0923A6" ma:contentTypeVersion="12" ma:contentTypeDescription="Create a new document." ma:contentTypeScope="" ma:versionID="a410dd7f93c95333ffa1b60ed6adedd1">
   <xsd:schema xmlns:xsd="http://www.w3.org/2001/XMLSchema" xmlns:xs="http://www.w3.org/2001/XMLSchema" xmlns:p="http://schemas.microsoft.com/office/2006/metadata/properties" xmlns:ns2="71af3243-3dd4-4a8d-8c0d-dd76da1f02a5" xmlns:ns3="16c05727-aa75-4e4a-9b5f-8a80a1165891" targetNamespace="http://schemas.microsoft.com/office/2006/metadata/properties" ma:root="true" ma:fieldsID="a936d9baba76aa3866493feff160faab" ns2:_="" ns3:_="">
     <xsd:import namespace="71af3243-3dd4-4a8d-8c0d-dd76da1f02a5"/>
@@ -5601,25 +6392,25 @@
 </ct:contentTypeSchema>
 </file>
 
-<file path=customXml/itemProps1.xml><?xml version="1.0" encoding="utf-8"?>
-<ds:datastoreItem xmlns:ds="http://schemas.openxmlformats.org/officeDocument/2006/customXml" ds:itemID="{137651BA-F45C-4845-9AB3-E0A65B39F5E1}">
-  <ds:schemaRefs>
-    <ds:schemaRef ds:uri="http://schemas.microsoft.com/office/2006/metadata/properties"/>
-    <ds:schemaRef ds:uri="http://schemas.microsoft.com/office/infopath/2007/PartnerControls"/>
-    <ds:schemaRef ds:uri="71af3243-3dd4-4a8d-8c0d-dd76da1f02a5"/>
-  </ds:schemaRefs>
-</ds:datastoreItem>
+<file path=customXml/item2.xml><?xml version="1.0" encoding="utf-8"?>
+<?mso-contentType ?>
+<FormTemplates xmlns="http://schemas.microsoft.com/sharepoint/v3/contenttype/forms">
+  <Display>DocumentLibraryForm</Display>
+  <Edit>DocumentLibraryForm</Edit>
+  <New>DocumentLibraryForm</New>
+</FormTemplates>
 </file>
 
-<file path=customXml/itemProps2.xml><?xml version="1.0" encoding="utf-8"?>
-<ds:datastoreItem xmlns:ds="http://schemas.openxmlformats.org/officeDocument/2006/customXml" ds:itemID="{CDB58277-F8DF-46FF-84EC-EF41B835E69F}">
-  <ds:schemaRefs>
-    <ds:schemaRef ds:uri="http://schemas.microsoft.com/sharepoint/v3/contenttype/forms"/>
-  </ds:schemaRefs>
-</ds:datastoreItem>
+<file path=customXml/item3.xml><?xml version="1.0" encoding="utf-8"?>
+<p:properties xmlns:p="http://schemas.microsoft.com/office/2006/metadata/properties" xmlns:xsi="http://www.w3.org/2001/XMLSchema-instance" xmlns:pc="http://schemas.microsoft.com/office/infopath/2007/PartnerControls">
+  <documentManagement>
+    <Status xmlns="71af3243-3dd4-4a8d-8c0d-dd76da1f02a5">Not started</Status>
+    <MediaServiceKeyPoints xmlns="71af3243-3dd4-4a8d-8c0d-dd76da1f02a5" xsi:nil="true"/>
+  </documentManagement>
+</p:properties>
 </file>
 
-<file path=customXml/itemProps3.xml><?xml version="1.0" encoding="utf-8"?>
+<file path=customXml/itemProps1.xml><?xml version="1.0" encoding="utf-8"?>
 <ds:datastoreItem xmlns:ds="http://schemas.openxmlformats.org/officeDocument/2006/customXml" ds:itemID="{2D276E62-80A3-44DD-9BCC-97ED2B99B57F}">
   <ds:schemaRefs>
     <ds:schemaRef ds:uri="http://schemas.microsoft.com/office/2006/metadata/contentType"/>
@@ -5636,4 +6427,22 @@
     <ds:schemaRef ds:uri="http://schemas.microsoft.com/internal/obd"/>
   </ds:schemaRefs>
 </ds:datastoreItem>
+</file>
+
+<file path=customXml/itemProps2.xml><?xml version="1.0" encoding="utf-8"?>
+<ds:datastoreItem xmlns:ds="http://schemas.openxmlformats.org/officeDocument/2006/customXml" ds:itemID="{CDB58277-F8DF-46FF-84EC-EF41B835E69F}">
+  <ds:schemaRefs>
+    <ds:schemaRef ds:uri="http://schemas.microsoft.com/sharepoint/v3/contenttype/forms"/>
+  </ds:schemaRefs>
+</ds:datastoreItem>
+</file>
+
+<file path=customXml/itemProps3.xml><?xml version="1.0" encoding="utf-8"?>
+<ds:datastoreItem xmlns:ds="http://schemas.openxmlformats.org/officeDocument/2006/customXml" ds:itemID="{137651BA-F45C-4845-9AB3-E0A65B39F5E1}">
+  <ds:schemaRefs>
+    <ds:schemaRef ds:uri="http://schemas.microsoft.com/office/2006/metadata/properties"/>
+    <ds:schemaRef ds:uri="http://schemas.microsoft.com/office/infopath/2007/PartnerControls"/>
+    <ds:schemaRef ds:uri="71af3243-3dd4-4a8d-8c0d-dd76da1f02a5"/>
+  </ds:schemaRefs>
+</ds:datastoreItem>
 </file>